--- a/LangChain.pptx
+++ b/LangChain.pptx
@@ -5,10 +5,16 @@
     <p:sldMasterId id="2147483648" r:id="rId1"/>
   </p:sldMasterIdLst>
   <p:notesMasterIdLst>
-    <p:notesMasterId r:id="rId3"/>
+    <p:notesMasterId r:id="rId9"/>
   </p:notesMasterIdLst>
   <p:sldIdLst>
     <p:sldId id="256" r:id="rId2"/>
+    <p:sldId id="257" r:id="rId3"/>
+    <p:sldId id="258" r:id="rId4"/>
+    <p:sldId id="259" r:id="rId5"/>
+    <p:sldId id="260" r:id="rId6"/>
+    <p:sldId id="261" r:id="rId7"/>
+    <p:sldId id="262" r:id="rId8"/>
   </p:sldIdLst>
   <p:sldSz cx="12192000" cy="6858000"/>
   <p:notesSz cx="6858000" cy="9144000"/>
@@ -107,6 +113,11 @@
       </a:defRPr>
     </a:lvl9pPr>
   </p:defaultTextStyle>
+  <p:extLst>
+    <p:ext uri="{EFAFB233-063F-42B5-8137-9DF3F51BA10A}">
+      <p15:sldGuideLst xmlns:p15="http://schemas.microsoft.com/office/powerpoint/2012/main"/>
+    </p:ext>
+  </p:extLst>
 </p:presentation>
 </file>
 
@@ -192,7 +203,7 @@
           <a:p>
             <a:fld id="{4AF5AFFB-B8FD-42ED-AB04-B9499FDEAFE8}" type="datetimeFigureOut">
               <a:rPr lang="zh-CN" altLang="en-US" smtClean="0"/>
-              <a:t>2024/2/26</a:t>
+              <a:t>2024/2/28</a:t>
             </a:fld>
             <a:endParaRPr lang="zh-CN" altLang="en-US"/>
           </a:p>
@@ -606,7 +617,7 @@
           <a:p>
             <a:fld id="{BDD9B61A-9611-46C9-8E5E-4ED595785EA8}" type="datetimeFigureOut">
               <a:rPr lang="zh-CN" altLang="en-US" smtClean="0"/>
-              <a:t>2024/2/26</a:t>
+              <a:t>2024/2/28</a:t>
             </a:fld>
             <a:endParaRPr lang="zh-CN" altLang="en-US"/>
           </a:p>
@@ -804,7 +815,7 @@
           <a:p>
             <a:fld id="{BDD9B61A-9611-46C9-8E5E-4ED595785EA8}" type="datetimeFigureOut">
               <a:rPr lang="zh-CN" altLang="en-US" smtClean="0"/>
-              <a:t>2024/2/26</a:t>
+              <a:t>2024/2/28</a:t>
             </a:fld>
             <a:endParaRPr lang="zh-CN" altLang="en-US"/>
           </a:p>
@@ -1012,7 +1023,7 @@
           <a:p>
             <a:fld id="{BDD9B61A-9611-46C9-8E5E-4ED595785EA8}" type="datetimeFigureOut">
               <a:rPr lang="zh-CN" altLang="en-US" smtClean="0"/>
-              <a:t>2024/2/26</a:t>
+              <a:t>2024/2/28</a:t>
             </a:fld>
             <a:endParaRPr lang="zh-CN" altLang="en-US"/>
           </a:p>
@@ -1210,7 +1221,7 @@
           <a:p>
             <a:fld id="{BDD9B61A-9611-46C9-8E5E-4ED595785EA8}" type="datetimeFigureOut">
               <a:rPr lang="zh-CN" altLang="en-US" smtClean="0"/>
-              <a:t>2024/2/26</a:t>
+              <a:t>2024/2/28</a:t>
             </a:fld>
             <a:endParaRPr lang="zh-CN" altLang="en-US"/>
           </a:p>
@@ -1485,7 +1496,7 @@
           <a:p>
             <a:fld id="{BDD9B61A-9611-46C9-8E5E-4ED595785EA8}" type="datetimeFigureOut">
               <a:rPr lang="zh-CN" altLang="en-US" smtClean="0"/>
-              <a:t>2024/2/26</a:t>
+              <a:t>2024/2/28</a:t>
             </a:fld>
             <a:endParaRPr lang="zh-CN" altLang="en-US"/>
           </a:p>
@@ -1750,7 +1761,7 @@
           <a:p>
             <a:fld id="{BDD9B61A-9611-46C9-8E5E-4ED595785EA8}" type="datetimeFigureOut">
               <a:rPr lang="zh-CN" altLang="en-US" smtClean="0"/>
-              <a:t>2024/2/26</a:t>
+              <a:t>2024/2/28</a:t>
             </a:fld>
             <a:endParaRPr lang="zh-CN" altLang="en-US"/>
           </a:p>
@@ -2162,7 +2173,7 @@
           <a:p>
             <a:fld id="{BDD9B61A-9611-46C9-8E5E-4ED595785EA8}" type="datetimeFigureOut">
               <a:rPr lang="zh-CN" altLang="en-US" smtClean="0"/>
-              <a:t>2024/2/26</a:t>
+              <a:t>2024/2/28</a:t>
             </a:fld>
             <a:endParaRPr lang="zh-CN" altLang="en-US"/>
           </a:p>
@@ -2303,7 +2314,7 @@
           <a:p>
             <a:fld id="{BDD9B61A-9611-46C9-8E5E-4ED595785EA8}" type="datetimeFigureOut">
               <a:rPr lang="zh-CN" altLang="en-US" smtClean="0"/>
-              <a:t>2024/2/26</a:t>
+              <a:t>2024/2/28</a:t>
             </a:fld>
             <a:endParaRPr lang="zh-CN" altLang="en-US"/>
           </a:p>
@@ -2416,7 +2427,7 @@
           <a:p>
             <a:fld id="{BDD9B61A-9611-46C9-8E5E-4ED595785EA8}" type="datetimeFigureOut">
               <a:rPr lang="zh-CN" altLang="en-US" smtClean="0"/>
-              <a:t>2024/2/26</a:t>
+              <a:t>2024/2/28</a:t>
             </a:fld>
             <a:endParaRPr lang="zh-CN" altLang="en-US"/>
           </a:p>
@@ -2727,7 +2738,7 @@
           <a:p>
             <a:fld id="{BDD9B61A-9611-46C9-8E5E-4ED595785EA8}" type="datetimeFigureOut">
               <a:rPr lang="zh-CN" altLang="en-US" smtClean="0"/>
-              <a:t>2024/2/26</a:t>
+              <a:t>2024/2/28</a:t>
             </a:fld>
             <a:endParaRPr lang="zh-CN" altLang="en-US"/>
           </a:p>
@@ -3015,7 +3026,7 @@
           <a:p>
             <a:fld id="{BDD9B61A-9611-46C9-8E5E-4ED595785EA8}" type="datetimeFigureOut">
               <a:rPr lang="zh-CN" altLang="en-US" smtClean="0"/>
-              <a:t>2024/2/26</a:t>
+              <a:t>2024/2/28</a:t>
             </a:fld>
             <a:endParaRPr lang="zh-CN" altLang="en-US"/>
           </a:p>
@@ -3256,7 +3267,7 @@
           <a:p>
             <a:fld id="{BDD9B61A-9611-46C9-8E5E-4ED595785EA8}" type="datetimeFigureOut">
               <a:rPr lang="zh-CN" altLang="en-US" smtClean="0"/>
-              <a:t>2024/2/26</a:t>
+              <a:t>2024/2/28</a:t>
             </a:fld>
             <a:endParaRPr lang="zh-CN" altLang="en-US"/>
           </a:p>
@@ -3977,6 +3988,585 @@
     <p:extLst>
       <p:ext uri="{BB962C8B-B14F-4D97-AF65-F5344CB8AC3E}">
         <p14:creationId xmlns:p14="http://schemas.microsoft.com/office/powerpoint/2010/main" val="482840142"/>
+      </p:ext>
+    </p:extLst>
+  </p:cSld>
+  <p:clrMapOvr>
+    <a:masterClrMapping/>
+  </p:clrMapOvr>
+</p:sld>
+</file>
+
+<file path=ppt/slides/slide2.xml><?xml version="1.0" encoding="utf-8"?>
+<p:sld xmlns:a="http://schemas.openxmlformats.org/drawingml/2006/main" xmlns:r="http://schemas.openxmlformats.org/officeDocument/2006/relationships" xmlns:p="http://schemas.openxmlformats.org/presentationml/2006/main">
+  <p:cSld>
+    <p:spTree>
+      <p:nvGrpSpPr>
+        <p:cNvPr id="1" name=""/>
+        <p:cNvGrpSpPr/>
+        <p:nvPr/>
+      </p:nvGrpSpPr>
+      <p:grpSpPr>
+        <a:xfrm>
+          <a:off x="0" y="0"/>
+          <a:ext cx="0" cy="0"/>
+          <a:chOff x="0" y="0"/>
+          <a:chExt cx="0" cy="0"/>
+        </a:xfrm>
+      </p:grpSpPr>
+      <p:pic>
+        <p:nvPicPr>
+          <p:cNvPr id="1026" name="Picture 2">
+            <a:extLst>
+              <a:ext uri="{FF2B5EF4-FFF2-40B4-BE49-F238E27FC236}">
+                <a16:creationId xmlns:a16="http://schemas.microsoft.com/office/drawing/2014/main" id="{5AD39B0F-4F9C-DE29-357E-A8EB0BBC4C89}"/>
+              </a:ext>
+            </a:extLst>
+          </p:cNvPr>
+          <p:cNvPicPr>
+            <a:picLocks noChangeAspect="1" noChangeArrowheads="1"/>
+          </p:cNvPicPr>
+          <p:nvPr/>
+        </p:nvPicPr>
+        <p:blipFill>
+          <a:blip r:embed="rId2">
+            <a:extLst>
+              <a:ext uri="{28A0092B-C50C-407E-A947-70E740481C1C}">
+                <a14:useLocalDpi xmlns:a14="http://schemas.microsoft.com/office/drawing/2010/main" val="0"/>
+              </a:ext>
+            </a:extLst>
+          </a:blip>
+          <a:srcRect/>
+          <a:stretch>
+            <a:fillRect/>
+          </a:stretch>
+        </p:blipFill>
+        <p:spPr bwMode="auto">
+          <a:xfrm>
+            <a:off x="533400" y="420835"/>
+            <a:ext cx="5349240" cy="6016329"/>
+          </a:xfrm>
+          <a:prstGeom prst="rect">
+            <a:avLst/>
+          </a:prstGeom>
+          <a:noFill/>
+          <a:extLst>
+            <a:ext uri="{909E8E84-426E-40DD-AFC4-6F175D3DCCD1}">
+              <a14:hiddenFill xmlns:a14="http://schemas.microsoft.com/office/drawing/2010/main">
+                <a:solidFill>
+                  <a:srgbClr val="FFFFFF"/>
+                </a:solidFill>
+              </a14:hiddenFill>
+            </a:ext>
+          </a:extLst>
+        </p:spPr>
+      </p:pic>
+      <p:pic>
+        <p:nvPicPr>
+          <p:cNvPr id="4" name="图片 3">
+            <a:extLst>
+              <a:ext uri="{FF2B5EF4-FFF2-40B4-BE49-F238E27FC236}">
+                <a16:creationId xmlns:a16="http://schemas.microsoft.com/office/drawing/2014/main" id="{47206400-A341-CB39-C0E4-E3E309DF6D99}"/>
+              </a:ext>
+            </a:extLst>
+          </p:cNvPr>
+          <p:cNvPicPr>
+            <a:picLocks noChangeAspect="1"/>
+          </p:cNvPicPr>
+          <p:nvPr/>
+        </p:nvPicPr>
+        <p:blipFill>
+          <a:blip r:embed="rId3"/>
+          <a:stretch>
+            <a:fillRect/>
+          </a:stretch>
+        </p:blipFill>
+        <p:spPr>
+          <a:xfrm>
+            <a:off x="6309362" y="420835"/>
+            <a:ext cx="5670376" cy="6378024"/>
+          </a:xfrm>
+          <a:prstGeom prst="rect">
+            <a:avLst/>
+          </a:prstGeom>
+        </p:spPr>
+      </p:pic>
+    </p:spTree>
+    <p:extLst>
+      <p:ext uri="{BB962C8B-B14F-4D97-AF65-F5344CB8AC3E}">
+        <p14:creationId xmlns:p14="http://schemas.microsoft.com/office/powerpoint/2010/main" val="2316976282"/>
+      </p:ext>
+    </p:extLst>
+  </p:cSld>
+  <p:clrMapOvr>
+    <a:masterClrMapping/>
+  </p:clrMapOvr>
+</p:sld>
+</file>
+
+<file path=ppt/slides/slide3.xml><?xml version="1.0" encoding="utf-8"?>
+<p:sld xmlns:a="http://schemas.openxmlformats.org/drawingml/2006/main" xmlns:r="http://schemas.openxmlformats.org/officeDocument/2006/relationships" xmlns:p="http://schemas.openxmlformats.org/presentationml/2006/main">
+  <p:cSld>
+    <p:spTree>
+      <p:nvGrpSpPr>
+        <p:cNvPr id="1" name=""/>
+        <p:cNvGrpSpPr/>
+        <p:nvPr/>
+      </p:nvGrpSpPr>
+      <p:grpSpPr>
+        <a:xfrm>
+          <a:off x="0" y="0"/>
+          <a:ext cx="0" cy="0"/>
+          <a:chOff x="0" y="0"/>
+          <a:chExt cx="0" cy="0"/>
+        </a:xfrm>
+      </p:grpSpPr>
+      <p:sp>
+        <p:nvSpPr>
+          <p:cNvPr id="4" name="文本框 3">
+            <a:extLst>
+              <a:ext uri="{FF2B5EF4-FFF2-40B4-BE49-F238E27FC236}">
+                <a16:creationId xmlns:a16="http://schemas.microsoft.com/office/drawing/2014/main" id="{79016247-573F-2967-7E3B-A0F7A9FC356D}"/>
+              </a:ext>
+            </a:extLst>
+          </p:cNvPr>
+          <p:cNvSpPr txBox="1"/>
+          <p:nvPr/>
+        </p:nvSpPr>
+        <p:spPr>
+          <a:xfrm>
+            <a:off x="731520" y="609600"/>
+            <a:ext cx="6050280" cy="4524315"/>
+          </a:xfrm>
+          <a:prstGeom prst="rect">
+            <a:avLst/>
+          </a:prstGeom>
+          <a:noFill/>
+        </p:spPr>
+        <p:txBody>
+          <a:bodyPr wrap="square" rtlCol="0">
+            <a:spAutoFit/>
+          </a:bodyPr>
+          <a:lstStyle/>
+          <a:p>
+            <a:r>
+              <a:rPr lang="zh-CN" altLang="en-US" dirty="0"/>
+              <a:t>整个过程可以拆分为以下几个步骤：</a:t>
+            </a:r>
+          </a:p>
+          <a:p>
+            <a:endParaRPr lang="zh-CN" altLang="en-US" dirty="0"/>
+          </a:p>
+          <a:p>
+            <a:r>
+              <a:rPr lang="zh-CN" altLang="en-US" dirty="0"/>
+              <a:t>用户输入一个问题（</a:t>
+            </a:r>
+            <a:r>
+              <a:rPr lang="en-US" altLang="zh-CN" dirty="0"/>
+              <a:t>Question</a:t>
+            </a:r>
+            <a:r>
+              <a:rPr lang="zh-CN" altLang="en-US" dirty="0"/>
+              <a:t>）</a:t>
+            </a:r>
+          </a:p>
+          <a:p>
+            <a:r>
+              <a:rPr lang="zh-CN" altLang="en-US" dirty="0"/>
+              <a:t>从向量存储（</a:t>
+            </a:r>
+            <a:r>
+              <a:rPr lang="en-US" altLang="zh-CN" dirty="0"/>
+              <a:t>Store</a:t>
+            </a:r>
+            <a:r>
+              <a:rPr lang="zh-CN" altLang="en-US" dirty="0"/>
+              <a:t>）中检索出与问题相关的文档分块（</a:t>
+            </a:r>
+            <a:r>
+              <a:rPr lang="en-US" altLang="zh-CN" dirty="0" err="1"/>
+              <a:t>Relavant</a:t>
+            </a:r>
+            <a:r>
+              <a:rPr lang="en-US" altLang="zh-CN" dirty="0"/>
+              <a:t> splits</a:t>
+            </a:r>
+            <a:r>
+              <a:rPr lang="zh-CN" altLang="en-US" dirty="0"/>
+              <a:t>）</a:t>
+            </a:r>
+          </a:p>
+          <a:p>
+            <a:r>
+              <a:rPr lang="zh-CN" altLang="en-US" dirty="0"/>
+              <a:t>将这些分块连同系统提示（</a:t>
+            </a:r>
+            <a:r>
+              <a:rPr lang="en-US" altLang="zh-CN" dirty="0" err="1"/>
+              <a:t>System:Prompt</a:t>
+            </a:r>
+            <a:r>
+              <a:rPr lang="zh-CN" altLang="en-US" dirty="0"/>
+              <a:t>）和用户问题（</a:t>
+            </a:r>
+            <a:r>
+              <a:rPr lang="en-US" altLang="zh-CN" dirty="0" err="1"/>
+              <a:t>Human:Question</a:t>
+            </a:r>
+            <a:r>
+              <a:rPr lang="zh-CN" altLang="en-US" dirty="0"/>
+              <a:t>）一起作为输入传给语言模型（</a:t>
+            </a:r>
+            <a:r>
+              <a:rPr lang="en-US" altLang="zh-CN" dirty="0"/>
+              <a:t>LLM</a:t>
+            </a:r>
+            <a:r>
+              <a:rPr lang="zh-CN" altLang="en-US" dirty="0"/>
+              <a:t>）</a:t>
+            </a:r>
+          </a:p>
+          <a:p>
+            <a:r>
+              <a:rPr lang="zh-CN" altLang="en-US" dirty="0"/>
+              <a:t>语言模型根据输入生成答案（</a:t>
+            </a:r>
+            <a:r>
+              <a:rPr lang="en-US" altLang="zh-CN" dirty="0"/>
+              <a:t>Answer</a:t>
+            </a:r>
+            <a:r>
+              <a:rPr lang="zh-CN" altLang="en-US" dirty="0"/>
+              <a:t>）</a:t>
+            </a:r>
+          </a:p>
+          <a:p>
+            <a:r>
+              <a:rPr lang="zh-CN" altLang="en-US" dirty="0"/>
+              <a:t>默认使用的是</a:t>
+            </a:r>
+            <a:r>
+              <a:rPr lang="en-US" altLang="zh-CN" dirty="0"/>
+              <a:t>stuff</a:t>
+            </a:r>
+            <a:r>
+              <a:rPr lang="zh-CN" altLang="en-US" dirty="0"/>
+              <a:t>方法，其特点如下：</a:t>
+            </a:r>
+          </a:p>
+          <a:p>
+            <a:endParaRPr lang="zh-CN" altLang="en-US" dirty="0"/>
+          </a:p>
+          <a:p>
+            <a:r>
+              <a:rPr lang="zh-CN" altLang="en-US" dirty="0"/>
+              <a:t>特点	优点	缺点</a:t>
+            </a:r>
+          </a:p>
+          <a:p>
+            <a:r>
+              <a:rPr lang="zh-CN" altLang="en-US" dirty="0"/>
+              <a:t>将所有检索到的分块放入同一个上下文窗口中，只需要对语言模型进行一次调用。	</a:t>
+            </a:r>
+            <a:endParaRPr lang="en-US" altLang="zh-CN" dirty="0"/>
+          </a:p>
+          <a:p>
+            <a:r>
+              <a:rPr lang="zh-CN" altLang="en-US" dirty="0"/>
+              <a:t>简单、廉价且效果不错。	</a:t>
+            </a:r>
+            <a:endParaRPr lang="en-US" altLang="zh-CN" dirty="0"/>
+          </a:p>
+          <a:p>
+            <a:r>
+              <a:rPr lang="zh-CN" altLang="en-US" dirty="0"/>
+              <a:t>当检索到的文档过多时，由于上下文窗口长度有限，可能无法将所有分块都传入。</a:t>
+            </a:r>
+          </a:p>
+        </p:txBody>
+      </p:sp>
+      <p:pic>
+        <p:nvPicPr>
+          <p:cNvPr id="2050" name="Picture 2">
+            <a:extLst>
+              <a:ext uri="{FF2B5EF4-FFF2-40B4-BE49-F238E27FC236}">
+                <a16:creationId xmlns:a16="http://schemas.microsoft.com/office/drawing/2014/main" id="{1D44D4C8-344D-71FD-80E1-B1177351BAB7}"/>
+              </a:ext>
+            </a:extLst>
+          </p:cNvPr>
+          <p:cNvPicPr>
+            <a:picLocks noChangeAspect="1" noChangeArrowheads="1"/>
+          </p:cNvPicPr>
+          <p:nvPr/>
+        </p:nvPicPr>
+        <p:blipFill>
+          <a:blip r:embed="rId2">
+            <a:extLst>
+              <a:ext uri="{28A0092B-C50C-407E-A947-70E740481C1C}">
+                <a14:useLocalDpi xmlns:a14="http://schemas.microsoft.com/office/drawing/2010/main" val="0"/>
+              </a:ext>
+            </a:extLst>
+          </a:blip>
+          <a:srcRect/>
+          <a:stretch>
+            <a:fillRect/>
+          </a:stretch>
+        </p:blipFill>
+        <p:spPr bwMode="auto">
+          <a:xfrm>
+            <a:off x="6781800" y="320040"/>
+            <a:ext cx="4783218" cy="5669280"/>
+          </a:xfrm>
+          <a:prstGeom prst="rect">
+            <a:avLst/>
+          </a:prstGeom>
+          <a:noFill/>
+          <a:extLst>
+            <a:ext uri="{909E8E84-426E-40DD-AFC4-6F175D3DCCD1}">
+              <a14:hiddenFill xmlns:a14="http://schemas.microsoft.com/office/drawing/2010/main">
+                <a:solidFill>
+                  <a:srgbClr val="FFFFFF"/>
+                </a:solidFill>
+              </a14:hiddenFill>
+            </a:ext>
+          </a:extLst>
+        </p:spPr>
+      </p:pic>
+    </p:spTree>
+    <p:extLst>
+      <p:ext uri="{BB962C8B-B14F-4D97-AF65-F5344CB8AC3E}">
+        <p14:creationId xmlns:p14="http://schemas.microsoft.com/office/powerpoint/2010/main" val="1432911728"/>
+      </p:ext>
+    </p:extLst>
+  </p:cSld>
+  <p:clrMapOvr>
+    <a:masterClrMapping/>
+  </p:clrMapOvr>
+</p:sld>
+</file>
+
+<file path=ppt/slides/slide4.xml><?xml version="1.0" encoding="utf-8"?>
+<p:sld xmlns:a="http://schemas.openxmlformats.org/drawingml/2006/main" xmlns:r="http://schemas.openxmlformats.org/officeDocument/2006/relationships" xmlns:p="http://schemas.openxmlformats.org/presentationml/2006/main">
+  <p:cSld>
+    <p:spTree>
+      <p:nvGrpSpPr>
+        <p:cNvPr id="1" name=""/>
+        <p:cNvGrpSpPr/>
+        <p:nvPr/>
+      </p:nvGrpSpPr>
+      <p:grpSpPr>
+        <a:xfrm>
+          <a:off x="0" y="0"/>
+          <a:ext cx="0" cy="0"/>
+          <a:chOff x="0" y="0"/>
+          <a:chExt cx="0" cy="0"/>
+        </a:xfrm>
+      </p:grpSpPr>
+      <p:pic>
+        <p:nvPicPr>
+          <p:cNvPr id="5" name="图片 4">
+            <a:extLst>
+              <a:ext uri="{FF2B5EF4-FFF2-40B4-BE49-F238E27FC236}">
+                <a16:creationId xmlns:a16="http://schemas.microsoft.com/office/drawing/2014/main" id="{5CB645B7-8081-D28C-4A19-AD1A6CD51B34}"/>
+              </a:ext>
+            </a:extLst>
+          </p:cNvPr>
+          <p:cNvPicPr>
+            <a:picLocks noChangeAspect="1"/>
+          </p:cNvPicPr>
+          <p:nvPr/>
+        </p:nvPicPr>
+        <p:blipFill>
+          <a:blip r:embed="rId2"/>
+          <a:stretch>
+            <a:fillRect/>
+          </a:stretch>
+        </p:blipFill>
+        <p:spPr>
+          <a:xfrm>
+            <a:off x="243840" y="590349"/>
+            <a:ext cx="7247248" cy="4640982"/>
+          </a:xfrm>
+          <a:prstGeom prst="rect">
+            <a:avLst/>
+          </a:prstGeom>
+        </p:spPr>
+      </p:pic>
+    </p:spTree>
+    <p:extLst>
+      <p:ext uri="{BB962C8B-B14F-4D97-AF65-F5344CB8AC3E}">
+        <p14:creationId xmlns:p14="http://schemas.microsoft.com/office/powerpoint/2010/main" val="2201878089"/>
+      </p:ext>
+    </p:extLst>
+  </p:cSld>
+  <p:clrMapOvr>
+    <a:masterClrMapping/>
+  </p:clrMapOvr>
+</p:sld>
+</file>
+
+<file path=ppt/slides/slide5.xml><?xml version="1.0" encoding="utf-8"?>
+<p:sld xmlns:a="http://schemas.openxmlformats.org/drawingml/2006/main" xmlns:r="http://schemas.openxmlformats.org/officeDocument/2006/relationships" xmlns:p="http://schemas.openxmlformats.org/presentationml/2006/main">
+  <p:cSld>
+    <p:spTree>
+      <p:nvGrpSpPr>
+        <p:cNvPr id="1" name=""/>
+        <p:cNvGrpSpPr/>
+        <p:nvPr/>
+      </p:nvGrpSpPr>
+      <p:grpSpPr>
+        <a:xfrm>
+          <a:off x="0" y="0"/>
+          <a:ext cx="0" cy="0"/>
+          <a:chOff x="0" y="0"/>
+          <a:chExt cx="0" cy="0"/>
+        </a:xfrm>
+      </p:grpSpPr>
+      <p:pic>
+        <p:nvPicPr>
+          <p:cNvPr id="5" name="图片 4">
+            <a:extLst>
+              <a:ext uri="{FF2B5EF4-FFF2-40B4-BE49-F238E27FC236}">
+                <a16:creationId xmlns:a16="http://schemas.microsoft.com/office/drawing/2014/main" id="{62E746D8-E7B3-DC49-5DDB-FFFC74A9F747}"/>
+              </a:ext>
+            </a:extLst>
+          </p:cNvPr>
+          <p:cNvPicPr>
+            <a:picLocks noChangeAspect="1"/>
+          </p:cNvPicPr>
+          <p:nvPr/>
+        </p:nvPicPr>
+        <p:blipFill>
+          <a:blip r:embed="rId2"/>
+          <a:stretch>
+            <a:fillRect/>
+          </a:stretch>
+        </p:blipFill>
+        <p:spPr>
+          <a:xfrm>
+            <a:off x="491743" y="251460"/>
+            <a:ext cx="5649977" cy="6355080"/>
+          </a:xfrm>
+          <a:prstGeom prst="rect">
+            <a:avLst/>
+          </a:prstGeom>
+        </p:spPr>
+      </p:pic>
+    </p:spTree>
+    <p:extLst>
+      <p:ext uri="{BB962C8B-B14F-4D97-AF65-F5344CB8AC3E}">
+        <p14:creationId xmlns:p14="http://schemas.microsoft.com/office/powerpoint/2010/main" val="3407275750"/>
+      </p:ext>
+    </p:extLst>
+  </p:cSld>
+  <p:clrMapOvr>
+    <a:masterClrMapping/>
+  </p:clrMapOvr>
+</p:sld>
+</file>
+
+<file path=ppt/slides/slide6.xml><?xml version="1.0" encoding="utf-8"?>
+<p:sld xmlns:a="http://schemas.openxmlformats.org/drawingml/2006/main" xmlns:r="http://schemas.openxmlformats.org/officeDocument/2006/relationships" xmlns:p="http://schemas.openxmlformats.org/presentationml/2006/main">
+  <p:cSld>
+    <p:spTree>
+      <p:nvGrpSpPr>
+        <p:cNvPr id="1" name=""/>
+        <p:cNvGrpSpPr/>
+        <p:nvPr/>
+      </p:nvGrpSpPr>
+      <p:grpSpPr>
+        <a:xfrm>
+          <a:off x="0" y="0"/>
+          <a:ext cx="0" cy="0"/>
+          <a:chOff x="0" y="0"/>
+          <a:chExt cx="0" cy="0"/>
+        </a:xfrm>
+      </p:grpSpPr>
+    </p:spTree>
+    <p:extLst>
+      <p:ext uri="{BB962C8B-B14F-4D97-AF65-F5344CB8AC3E}">
+        <p14:creationId xmlns:p14="http://schemas.microsoft.com/office/powerpoint/2010/main" val="780182562"/>
+      </p:ext>
+    </p:extLst>
+  </p:cSld>
+  <p:clrMapOvr>
+    <a:masterClrMapping/>
+  </p:clrMapOvr>
+</p:sld>
+</file>
+
+<file path=ppt/slides/slide7.xml><?xml version="1.0" encoding="utf-8"?>
+<p:sld xmlns:a="http://schemas.openxmlformats.org/drawingml/2006/main" xmlns:r="http://schemas.openxmlformats.org/officeDocument/2006/relationships" xmlns:p="http://schemas.openxmlformats.org/presentationml/2006/main">
+  <p:cSld>
+    <p:spTree>
+      <p:nvGrpSpPr>
+        <p:cNvPr id="1" name=""/>
+        <p:cNvGrpSpPr/>
+        <p:nvPr/>
+      </p:nvGrpSpPr>
+      <p:grpSpPr>
+        <a:xfrm>
+          <a:off x="0" y="0"/>
+          <a:ext cx="0" cy="0"/>
+          <a:chOff x="0" y="0"/>
+          <a:chExt cx="0" cy="0"/>
+        </a:xfrm>
+      </p:grpSpPr>
+      <p:sp>
+        <p:nvSpPr>
+          <p:cNvPr id="2" name="标题 1">
+            <a:extLst>
+              <a:ext uri="{FF2B5EF4-FFF2-40B4-BE49-F238E27FC236}">
+                <a16:creationId xmlns:a16="http://schemas.microsoft.com/office/drawing/2014/main" id="{65A096BD-B17F-ACA9-73DE-1DFD82E51CF0}"/>
+              </a:ext>
+            </a:extLst>
+          </p:cNvPr>
+          <p:cNvSpPr>
+            <a:spLocks noGrp="1"/>
+          </p:cNvSpPr>
+          <p:nvPr>
+            <p:ph type="title"/>
+          </p:nvPr>
+        </p:nvSpPr>
+        <p:spPr/>
+        <p:txBody>
+          <a:bodyPr/>
+          <a:lstStyle/>
+          <a:p>
+            <a:endParaRPr lang="zh-CN" altLang="en-US"/>
+          </a:p>
+        </p:txBody>
+      </p:sp>
+      <p:sp>
+        <p:nvSpPr>
+          <p:cNvPr id="3" name="内容占位符 2">
+            <a:extLst>
+              <a:ext uri="{FF2B5EF4-FFF2-40B4-BE49-F238E27FC236}">
+                <a16:creationId xmlns:a16="http://schemas.microsoft.com/office/drawing/2014/main" id="{87B19007-D423-DBFA-DE9B-A231B3C35DF2}"/>
+              </a:ext>
+            </a:extLst>
+          </p:cNvPr>
+          <p:cNvSpPr>
+            <a:spLocks noGrp="1"/>
+          </p:cNvSpPr>
+          <p:nvPr>
+            <p:ph idx="1"/>
+          </p:nvPr>
+        </p:nvSpPr>
+        <p:spPr/>
+        <p:txBody>
+          <a:bodyPr/>
+          <a:lstStyle/>
+          <a:p>
+            <a:endParaRPr lang="zh-CN" altLang="en-US"/>
+          </a:p>
+        </p:txBody>
+      </p:sp>
+    </p:spTree>
+    <p:extLst>
+      <p:ext uri="{BB962C8B-B14F-4D97-AF65-F5344CB8AC3E}">
+        <p14:creationId xmlns:p14="http://schemas.microsoft.com/office/powerpoint/2010/main" val="1900635898"/>
       </p:ext>
     </p:extLst>
   </p:cSld>
